--- a/おさらい演習20210526.pptx
+++ b/おさらい演習20210526.pptx
@@ -7,8 +7,9 @@
   <p:sldIdLst>
     <p:sldId id="256" r:id="rId2"/>
     <p:sldId id="261" r:id="rId3"/>
-    <p:sldId id="262" r:id="rId4"/>
-    <p:sldId id="263" r:id="rId5"/>
+    <p:sldId id="264" r:id="rId4"/>
+    <p:sldId id="262" r:id="rId5"/>
+    <p:sldId id="263" r:id="rId6"/>
   </p:sldIdLst>
   <p:sldSz cx="12192000" cy="6858000"/>
   <p:notesSz cx="6858000" cy="9144000"/>
@@ -3394,13 +3395,7 @@
               <a:rPr lang="ja-JP" altLang="en-US" dirty="0" smtClean="0">
                 <a:latin typeface="+mj-ea"/>
               </a:rPr>
-              <a:t>２</a:t>
-            </a:r>
-            <a:r>
-              <a:rPr lang="ja-JP" altLang="en-US" dirty="0" smtClean="0">
-                <a:latin typeface="+mj-ea"/>
-              </a:rPr>
-              <a:t>６　①</a:t>
+              <a:t>２６　①</a:t>
             </a:r>
             <a:endParaRPr lang="en-US" altLang="ja-JP" dirty="0" smtClean="0">
               <a:latin typeface="+mj-ea"/>
@@ -3427,7 +3422,7 @@
         </p:spPr>
         <p:txBody>
           <a:bodyPr>
-            <a:normAutofit fontScale="85000" lnSpcReduction="20000"/>
+            <a:normAutofit fontScale="77500" lnSpcReduction="20000"/>
           </a:bodyPr>
           <a:lstStyle>
             <a:lvl1pPr marL="228600" indent="-228600" algn="l" defTabSz="914400" rtl="0" eaLnBrk="1" latinLnBrk="0" hangingPunct="1">
@@ -3632,6 +3627,41 @@
               <a:rPr lang="ja-JP" altLang="en-US" dirty="0" smtClean="0"/>
               <a:t>」対策の簡単な例です。</a:t>
             </a:r>
+            <a:r>
+              <a:rPr lang="en-US" altLang="ja-JP" dirty="0" smtClean="0"/>
+              <a:t/>
+            </a:r>
+            <a:br>
+              <a:rPr lang="en-US" altLang="ja-JP" dirty="0" smtClean="0"/>
+            </a:br>
+            <a:r>
+              <a:rPr lang="en-US" altLang="ja-JP" dirty="0" smtClean="0"/>
+              <a:t>CSRF</a:t>
+            </a:r>
+            <a:r>
+              <a:rPr lang="ja-JP" altLang="en-US" dirty="0" smtClean="0"/>
+              <a:t>とは</a:t>
+            </a:r>
+            <a:r>
+              <a:rPr lang="ja-JP" altLang="en-US" dirty="0"/>
+              <a:t>「サイト横断的に（</a:t>
+            </a:r>
+            <a:r>
+              <a:rPr lang="en-US" altLang="ja-JP" dirty="0"/>
+              <a:t>Cross Site</a:t>
+            </a:r>
+            <a:r>
+              <a:rPr lang="ja-JP" altLang="en-US" dirty="0"/>
+              <a:t>）リクエストを偽装（</a:t>
+            </a:r>
+            <a:r>
+              <a:rPr lang="en-US" altLang="ja-JP" dirty="0"/>
+              <a:t>Request Forgeries</a:t>
+            </a:r>
+            <a:r>
+              <a:rPr lang="ja-JP" altLang="en-US" dirty="0"/>
+              <a:t>）する」攻撃</a:t>
+            </a:r>
             <a:endParaRPr lang="en-US" altLang="ja-JP" dirty="0" smtClean="0"/>
           </a:p>
           <a:p>
@@ -3920,6 +3950,367 @@
       <p:sp>
         <p:nvSpPr>
           <p:cNvPr id="2" name="タイトル 1"/>
+          <p:cNvSpPr>
+            <a:spLocks noGrp="1"/>
+          </p:cNvSpPr>
+          <p:nvPr>
+            <p:ph type="title"/>
+          </p:nvPr>
+        </p:nvSpPr>
+        <p:spPr/>
+        <p:txBody>
+          <a:bodyPr/>
+          <a:lstStyle/>
+          <a:p>
+            <a:r>
+              <a:rPr kumimoji="1" lang="ja-JP" altLang="en-US" dirty="0" smtClean="0"/>
+              <a:t>いろいろなシステム攻撃とセキュリティ対策</a:t>
+            </a:r>
+            <a:endParaRPr kumimoji="1" lang="ja-JP" altLang="en-US" dirty="0"/>
+          </a:p>
+        </p:txBody>
+      </p:sp>
+      <p:sp>
+        <p:nvSpPr>
+          <p:cNvPr id="3" name="コンテンツ プレースホルダー 2"/>
+          <p:cNvSpPr>
+            <a:spLocks noGrp="1"/>
+          </p:cNvSpPr>
+          <p:nvPr>
+            <p:ph idx="1"/>
+          </p:nvPr>
+        </p:nvSpPr>
+        <p:spPr>
+          <a:xfrm>
+            <a:off x="838200" y="1518834"/>
+            <a:ext cx="10515600" cy="5013701"/>
+          </a:xfrm>
+        </p:spPr>
+        <p:txBody>
+          <a:bodyPr>
+            <a:normAutofit fontScale="47500" lnSpcReduction="20000"/>
+          </a:bodyPr>
+          <a:lstStyle/>
+          <a:p>
+            <a:pPr marL="0" indent="0">
+              <a:buNone/>
+            </a:pPr>
+            <a:r>
+              <a:rPr lang="en-US" altLang="ja-JP" dirty="0"/>
+              <a:t>【</a:t>
+            </a:r>
+            <a:r>
+              <a:rPr lang="ja-JP" altLang="en-US" dirty="0"/>
+              <a:t>ゼロディ攻撃</a:t>
+            </a:r>
+            <a:r>
+              <a:rPr lang="en-US" altLang="ja-JP" dirty="0"/>
+              <a:t>】</a:t>
+            </a:r>
+          </a:p>
+          <a:p>
+            <a:pPr marL="0" indent="0">
+              <a:buNone/>
+            </a:pPr>
+            <a:r>
+              <a:rPr lang="ja-JP" altLang="en-US" dirty="0"/>
+              <a:t>新たな脆弱性（セキュリティホール）が発見されたときに、問題の公表や修正プログラムが提供される前に行われるサイバー攻撃</a:t>
+            </a:r>
+          </a:p>
+          <a:p>
+            <a:pPr marL="0" indent="0">
+              <a:buNone/>
+            </a:pPr>
+            <a:r>
+              <a:rPr lang="en-US" altLang="ja-JP" dirty="0"/>
+              <a:t>【</a:t>
+            </a:r>
+            <a:r>
+              <a:rPr lang="ja-JP" altLang="en-US" dirty="0"/>
+              <a:t>インジェクション攻撃</a:t>
+            </a:r>
+            <a:r>
+              <a:rPr lang="en-US" altLang="ja-JP" dirty="0"/>
+              <a:t>】</a:t>
+            </a:r>
+          </a:p>
+          <a:p>
+            <a:pPr marL="0" indent="0">
+              <a:buNone/>
+            </a:pPr>
+            <a:r>
+              <a:rPr lang="ja-JP" altLang="en-US" dirty="0"/>
+              <a:t>悪意のある攻撃者は、無効なデータ（バグ）などの脆弱（ぜいじゃく）性の高いプログラムにソースコードを注入して不正な命令を実行し、プログラムを改変する。</a:t>
+            </a:r>
+          </a:p>
+          <a:p>
+            <a:pPr marL="0" indent="0">
+              <a:buNone/>
+            </a:pPr>
+            <a:r>
+              <a:rPr lang="en-US" altLang="ja-JP" dirty="0"/>
+              <a:t>【</a:t>
+            </a:r>
+            <a:r>
+              <a:rPr lang="ja-JP" altLang="en-US" dirty="0"/>
+              <a:t>フィッシング</a:t>
+            </a:r>
+            <a:r>
+              <a:rPr lang="en-US" altLang="ja-JP" dirty="0"/>
+              <a:t>】</a:t>
+            </a:r>
+          </a:p>
+          <a:p>
+            <a:pPr marL="0" indent="0">
+              <a:buNone/>
+            </a:pPr>
+            <a:r>
+              <a:rPr lang="ja-JP" altLang="en-US" dirty="0"/>
+              <a:t>インターネットのユーザから経済的価値がある情報（例</a:t>
+            </a:r>
+            <a:r>
+              <a:rPr lang="en-US" altLang="ja-JP" dirty="0"/>
+              <a:t>: </a:t>
+            </a:r>
+            <a:r>
+              <a:rPr lang="ja-JP" altLang="en-US" dirty="0"/>
+              <a:t>ユーザ名・パスワード・クレジットカード情報）を奪うために行われる詐欺行為</a:t>
+            </a:r>
+          </a:p>
+          <a:p>
+            <a:pPr marL="0" indent="0">
+              <a:buNone/>
+            </a:pPr>
+            <a:r>
+              <a:rPr lang="en-US" altLang="ja-JP" dirty="0"/>
+              <a:t>【</a:t>
+            </a:r>
+            <a:r>
+              <a:rPr lang="ja-JP" altLang="en-US" dirty="0"/>
+              <a:t>スプーフィング</a:t>
+            </a:r>
+            <a:r>
+              <a:rPr lang="en-US" altLang="ja-JP" dirty="0"/>
+              <a:t>】</a:t>
+            </a:r>
+          </a:p>
+          <a:p>
+            <a:pPr marL="0" indent="0">
+              <a:buNone/>
+            </a:pPr>
+            <a:r>
+              <a:rPr lang="ja-JP" altLang="en-US" dirty="0"/>
+              <a:t>他のユーザーの情報（</a:t>
+            </a:r>
+            <a:r>
+              <a:rPr lang="en-US" altLang="ja-JP" dirty="0"/>
+              <a:t>ID</a:t>
+            </a:r>
+            <a:r>
+              <a:rPr lang="ja-JP" altLang="en-US" dirty="0"/>
+              <a:t>やパスワード）を盗み出して他のユーザーとして活動し、情報を漏えいさせたり、コミュニティなどに悪意のある書き込み</a:t>
+            </a:r>
+          </a:p>
+          <a:p>
+            <a:pPr marL="0" indent="0">
+              <a:buNone/>
+            </a:pPr>
+            <a:r>
+              <a:rPr lang="en-US" altLang="ja-JP" dirty="0"/>
+              <a:t>【</a:t>
+            </a:r>
+            <a:r>
+              <a:rPr lang="ja-JP" altLang="en-US" dirty="0"/>
+              <a:t>二要素認証</a:t>
+            </a:r>
+            <a:r>
+              <a:rPr lang="en-US" altLang="ja-JP" dirty="0"/>
+              <a:t>】	</a:t>
+            </a:r>
+          </a:p>
+          <a:p>
+            <a:pPr marL="0" indent="0">
+              <a:buNone/>
+            </a:pPr>
+            <a:r>
+              <a:rPr lang="ja-JP" altLang="en-US" dirty="0"/>
+              <a:t>「</a:t>
+            </a:r>
+            <a:r>
+              <a:rPr lang="en-US" altLang="ja-JP" dirty="0"/>
+              <a:t>ID</a:t>
+            </a:r>
+            <a:r>
+              <a:rPr lang="ja-JP" altLang="en-US" dirty="0"/>
+              <a:t>」と「パスワード」の認証に加えて、「指紋」などの生体情報、</a:t>
+            </a:r>
+            <a:r>
+              <a:rPr lang="en-US" altLang="ja-JP" dirty="0"/>
+              <a:t>SMS</a:t>
+            </a:r>
+            <a:r>
+              <a:rPr lang="ja-JP" altLang="en-US" dirty="0"/>
+              <a:t>など”全く違う要素の認証を複数組み合わせた認証”を行うこと。</a:t>
+            </a:r>
+            <a:r>
+              <a:rPr lang="en-US" altLang="ja-JP" dirty="0"/>
+              <a:t>ID</a:t>
+            </a:r>
+            <a:r>
+              <a:rPr lang="ja-JP" altLang="en-US" dirty="0"/>
+              <a:t>とパスワードの認証を</a:t>
+            </a:r>
+            <a:r>
+              <a:rPr lang="en-US" altLang="ja-JP" dirty="0"/>
+              <a:t>2</a:t>
+            </a:r>
+            <a:r>
+              <a:rPr lang="ja-JP" altLang="en-US" dirty="0"/>
+              <a:t>回行うのでは二要素認証にはならない。</a:t>
+            </a:r>
+          </a:p>
+          <a:p>
+            <a:pPr marL="0" indent="0">
+              <a:buNone/>
+            </a:pPr>
+            <a:r>
+              <a:rPr lang="en-US" altLang="ja-JP" dirty="0"/>
+              <a:t>【</a:t>
+            </a:r>
+            <a:r>
+              <a:rPr lang="ja-JP" altLang="en-US" dirty="0"/>
+              <a:t>二段階認証</a:t>
+            </a:r>
+            <a:r>
+              <a:rPr lang="en-US" altLang="ja-JP" dirty="0"/>
+              <a:t>】</a:t>
+            </a:r>
+          </a:p>
+          <a:p>
+            <a:pPr marL="0" indent="0">
+              <a:buNone/>
+            </a:pPr>
+            <a:r>
+              <a:rPr lang="ja-JP" altLang="en-US" dirty="0"/>
+              <a:t>違う方法であれ、同じ方法であれ、</a:t>
+            </a:r>
+            <a:r>
+              <a:rPr lang="en-US" altLang="ja-JP" dirty="0"/>
+              <a:t>2</a:t>
+            </a:r>
+            <a:r>
+              <a:rPr lang="ja-JP" altLang="en-US" dirty="0"/>
+              <a:t>回の認証を行うこと。「</a:t>
+            </a:r>
+            <a:r>
+              <a:rPr lang="en-US" altLang="ja-JP" dirty="0"/>
+              <a:t>ID</a:t>
+            </a:r>
+            <a:r>
+              <a:rPr lang="ja-JP" altLang="en-US" dirty="0"/>
+              <a:t>」と「パスワード」という認証を</a:t>
+            </a:r>
+            <a:r>
+              <a:rPr lang="en-US" altLang="ja-JP" dirty="0"/>
+              <a:t>2</a:t>
+            </a:r>
+            <a:r>
+              <a:rPr lang="ja-JP" altLang="en-US" dirty="0"/>
+              <a:t>回行うことも二段階認証となる。</a:t>
+            </a:r>
+          </a:p>
+          <a:p>
+            <a:pPr marL="0" indent="0">
+              <a:buNone/>
+            </a:pPr>
+            <a:r>
+              <a:rPr lang="en-US" altLang="ja-JP" dirty="0"/>
+              <a:t>【CAPTCHA】</a:t>
+            </a:r>
+          </a:p>
+          <a:p>
+            <a:pPr marL="0" indent="0">
+              <a:buNone/>
+            </a:pPr>
+            <a:r>
+              <a:rPr lang="ja-JP" altLang="en-US" dirty="0"/>
+              <a:t>ログインや登録で次のステップに進むときに確認のため文字入力を要求して、人間の目ではなんとか読み取れてもプログラムでは自動に判読が難しい「歪んだ文字」の画像を表示して認証する仕組み</a:t>
+            </a:r>
+          </a:p>
+          <a:p>
+            <a:pPr marL="0" indent="0">
+              <a:buNone/>
+            </a:pPr>
+            <a:r>
+              <a:rPr lang="en-US" altLang="ja-JP" dirty="0"/>
+              <a:t>【</a:t>
+            </a:r>
+            <a:r>
+              <a:rPr lang="en-US" altLang="ja-JP" dirty="0" err="1"/>
+              <a:t>reCAPTCHA</a:t>
+            </a:r>
+            <a:r>
+              <a:rPr lang="en-US" altLang="ja-JP" dirty="0"/>
+              <a:t>】</a:t>
+            </a:r>
+          </a:p>
+          <a:p>
+            <a:pPr marL="0" indent="0">
+              <a:buNone/>
+            </a:pPr>
+            <a:r>
+              <a:rPr lang="ja-JP" altLang="en-US" dirty="0"/>
+              <a:t>ウェブサービスの画面で表示される「私はロボットではありません」とは、左隣のチェックボックスをオンにすることで悪質なプログラムによるサービスへの侵入や乱用を防ぐ仕組み</a:t>
+            </a:r>
+          </a:p>
+          <a:p>
+            <a:pPr marL="0" indent="0">
+              <a:buNone/>
+            </a:pPr>
+            <a:endParaRPr kumimoji="1" lang="ja-JP" altLang="en-US" dirty="0"/>
+          </a:p>
+        </p:txBody>
+      </p:sp>
+    </p:spTree>
+    <p:extLst>
+      <p:ext uri="{BB962C8B-B14F-4D97-AF65-F5344CB8AC3E}">
+        <p14:creationId xmlns:p14="http://schemas.microsoft.com/office/powerpoint/2010/main" val="1093872728"/>
+      </p:ext>
+    </p:extLst>
+  </p:cSld>
+  <p:clrMapOvr>
+    <a:masterClrMapping/>
+  </p:clrMapOvr>
+  <p:timing>
+    <p:tnLst>
+      <p:par>
+        <p:cTn id="1" dur="indefinite" restart="never" nodeType="tmRoot"/>
+      </p:par>
+    </p:tnLst>
+  </p:timing>
+</p:sld>
+</file>
+
+<file path=ppt/slides/slide4.xml><?xml version="1.0" encoding="utf-8"?>
+<p:sld xmlns:a="http://schemas.openxmlformats.org/drawingml/2006/main" xmlns:r="http://schemas.openxmlformats.org/officeDocument/2006/relationships" xmlns:p="http://schemas.openxmlformats.org/presentationml/2006/main">
+  <p:cSld>
+    <p:spTree>
+      <p:nvGrpSpPr>
+        <p:cNvPr id="1" name=""/>
+        <p:cNvGrpSpPr/>
+        <p:nvPr/>
+      </p:nvGrpSpPr>
+      <p:grpSpPr>
+        <a:xfrm>
+          <a:off x="0" y="0"/>
+          <a:ext cx="0" cy="0"/>
+          <a:chOff x="0" y="0"/>
+          <a:chExt cx="0" cy="0"/>
+        </a:xfrm>
+      </p:grpSpPr>
+      <p:sp>
+        <p:nvSpPr>
+          <p:cNvPr id="2" name="タイトル 1"/>
           <p:cNvSpPr txBox="1">
             <a:spLocks/>
           </p:cNvSpPr>
@@ -3964,13 +4355,7 @@
               <a:rPr lang="ja-JP" altLang="en-US" dirty="0" smtClean="0">
                 <a:latin typeface="+mj-ea"/>
               </a:rPr>
-              <a:t>２</a:t>
-            </a:r>
-            <a:r>
-              <a:rPr lang="ja-JP" altLang="en-US" dirty="0" smtClean="0">
-                <a:latin typeface="+mj-ea"/>
-              </a:rPr>
-              <a:t>６　②</a:t>
+              <a:t>２６　②</a:t>
             </a:r>
             <a:endParaRPr lang="en-US" altLang="ja-JP" dirty="0" smtClean="0">
               <a:latin typeface="+mj-ea"/>
@@ -4184,11 +4569,7 @@
             </a:br>
             <a:r>
               <a:rPr lang="ja-JP" altLang="en-US" dirty="0" smtClean="0"/>
-              <a:t>以下は「検索エンジン</a:t>
-            </a:r>
-            <a:r>
-              <a:rPr lang="ja-JP" altLang="en-US" dirty="0" smtClean="0"/>
-              <a:t>」対策（</a:t>
+              <a:t>以下は「検索エンジン」対策（</a:t>
             </a:r>
             <a:r>
               <a:rPr lang="en-US" altLang="ja-JP" dirty="0" smtClean="0"/>
@@ -4203,7 +4584,7 @@
           <a:p>
             <a:pPr marL="514350" indent="-514350">
               <a:buFont typeface="+mj-lt"/>
-              <a:buAutoNum type="arabicPeriod"/>
+              <a:buAutoNum type="arabicPeriod" startAt="6"/>
             </a:pPr>
             <a:r>
               <a:rPr lang="en-US" altLang="ja-JP" dirty="0" smtClean="0"/>
@@ -4218,7 +4599,7 @@
           <a:p>
             <a:pPr marL="514350" indent="-514350">
               <a:buFont typeface="+mj-lt"/>
-              <a:buAutoNum type="arabicPeriod"/>
+              <a:buAutoNum type="arabicPeriod" startAt="6"/>
             </a:pPr>
             <a:r>
               <a:rPr lang="en-US" altLang="ja-JP" dirty="0" smtClean="0"/>
@@ -4233,7 +4614,7 @@
           <a:p>
             <a:pPr marL="514350" indent="-514350">
               <a:buFont typeface="+mj-lt"/>
-              <a:buAutoNum type="arabicPeriod"/>
+              <a:buAutoNum type="arabicPeriod" startAt="6"/>
             </a:pPr>
             <a:r>
               <a:rPr lang="ja-JP" altLang="en-US" dirty="0"/>
@@ -4248,7 +4629,7 @@
           <a:p>
             <a:pPr marL="514350" indent="-514350">
               <a:buFont typeface="+mj-lt"/>
-              <a:buAutoNum type="arabicPeriod"/>
+              <a:buAutoNum type="arabicPeriod" startAt="6"/>
             </a:pPr>
             <a:r>
               <a:rPr lang="ja-JP" altLang="en-US" dirty="0" smtClean="0"/>
@@ -4275,7 +4656,7 @@
           <a:p>
             <a:pPr marL="514350" indent="-514350">
               <a:buFont typeface="+mj-lt"/>
-              <a:buAutoNum type="arabicPeriod"/>
+              <a:buAutoNum type="arabicPeriod" startAt="6"/>
             </a:pPr>
             <a:r>
               <a:rPr lang="ja-JP" altLang="en-US" dirty="0" smtClean="0"/>
@@ -4319,7 +4700,7 @@
 </p:sld>
 </file>
 
-<file path=ppt/slides/slide4.xml><?xml version="1.0" encoding="utf-8"?>
+<file path=ppt/slides/slide5.xml><?xml version="1.0" encoding="utf-8"?>
 <p:sld xmlns:a="http://schemas.openxmlformats.org/drawingml/2006/main" xmlns:r="http://schemas.openxmlformats.org/officeDocument/2006/relationships" xmlns:p="http://schemas.openxmlformats.org/presentationml/2006/main">
   <p:cSld>
     <p:spTree>
@@ -4744,6 +5125,13 @@
   <p:clrMapOvr>
     <a:masterClrMapping/>
   </p:clrMapOvr>
+  <p:timing>
+    <p:tnLst>
+      <p:par>
+        <p:cTn id="1" dur="indefinite" restart="never" nodeType="tmRoot"/>
+      </p:par>
+    </p:tnLst>
+  </p:timing>
 </p:sld>
 </file>
 
